--- a/docs/lectures/6135-Vizzies.pptx
+++ b/docs/lectures/6135-Vizzies.pptx
@@ -5,13 +5,14 @@
     <p:sldMasterId id="2147483672" r:id="rId1"/>
   </p:sldMasterIdLst>
   <p:handoutMasterIdLst>
-    <p:handoutMasterId r:id="rId6"/>
+    <p:handoutMasterId r:id="rId7"/>
   </p:handoutMasterIdLst>
   <p:sldIdLst>
     <p:sldId id="256" r:id="rId2"/>
     <p:sldId id="257" r:id="rId3"/>
     <p:sldId id="259" r:id="rId4"/>
     <p:sldId id="258" r:id="rId5"/>
+    <p:sldId id="260" r:id="rId6"/>
   </p:sldIdLst>
   <p:sldSz cx="12192000" cy="6858000"/>
   <p:notesSz cx="7010400" cy="9296400"/>
@@ -225,7 +226,7 @@
           <a:p>
             <a:fld id="{08BD4FA9-F3CE-45B3-A980-C331C6F1EF65}" type="datetimeFigureOut">
               <a:rPr lang="en-US" smtClean="0"/>
-              <a:t>3/27/2025</a:t>
+              <a:t>4/2/2025</a:t>
             </a:fld>
             <a:endParaRPr lang="en-US"/>
           </a:p>
@@ -494,7 +495,7 @@
                 </a:solidFill>
               </a:rPr>
               <a:pPr/>
-              <a:t>3/27/2025</a:t>
+              <a:t>4/2/2025</a:t>
             </a:fld>
             <a:endParaRPr lang="en-US">
               <a:solidFill>
@@ -694,7 +695,7 @@
                 </a:solidFill>
               </a:rPr>
               <a:pPr/>
-              <a:t>3/27/2025</a:t>
+              <a:t>4/2/2025</a:t>
             </a:fld>
             <a:endParaRPr lang="en-US">
               <a:solidFill>
@@ -904,7 +905,7 @@
                 </a:solidFill>
               </a:rPr>
               <a:pPr/>
-              <a:t>3/27/2025</a:t>
+              <a:t>4/2/2025</a:t>
             </a:fld>
             <a:endParaRPr lang="en-US">
               <a:solidFill>
@@ -1104,7 +1105,7 @@
                 </a:solidFill>
               </a:rPr>
               <a:pPr/>
-              <a:t>3/27/2025</a:t>
+              <a:t>4/2/2025</a:t>
             </a:fld>
             <a:endParaRPr lang="en-US">
               <a:solidFill>
@@ -1374,7 +1375,7 @@
                 </a:solidFill>
               </a:rPr>
               <a:pPr/>
-              <a:t>3/27/2025</a:t>
+              <a:t>4/2/2025</a:t>
             </a:fld>
             <a:endParaRPr lang="en-US">
               <a:solidFill>
@@ -1691,7 +1692,7 @@
                 </a:solidFill>
               </a:rPr>
               <a:pPr/>
-              <a:t>3/27/2025</a:t>
+              <a:t>4/2/2025</a:t>
             </a:fld>
             <a:endParaRPr lang="en-US">
               <a:solidFill>
@@ -2142,7 +2143,7 @@
                 </a:solidFill>
               </a:rPr>
               <a:pPr/>
-              <a:t>3/27/2025</a:t>
+              <a:t>4/2/2025</a:t>
             </a:fld>
             <a:endParaRPr lang="en-US">
               <a:solidFill>
@@ -2291,7 +2292,7 @@
                 </a:solidFill>
               </a:rPr>
               <a:pPr/>
-              <a:t>3/27/2025</a:t>
+              <a:t>4/2/2025</a:t>
             </a:fld>
             <a:endParaRPr lang="en-US">
               <a:solidFill>
@@ -2418,7 +2419,7 @@
                 </a:solidFill>
               </a:rPr>
               <a:pPr/>
-              <a:t>3/27/2025</a:t>
+              <a:t>4/2/2025</a:t>
             </a:fld>
             <a:endParaRPr lang="en-US">
               <a:solidFill>
@@ -2725,7 +2726,7 @@
                 </a:solidFill>
               </a:rPr>
               <a:pPr/>
-              <a:t>3/27/2025</a:t>
+              <a:t>4/2/2025</a:t>
             </a:fld>
             <a:endParaRPr lang="en-US">
               <a:solidFill>
@@ -3012,7 +3013,7 @@
                 </a:solidFill>
               </a:rPr>
               <a:pPr/>
-              <a:t>3/27/2025</a:t>
+              <a:t>4/2/2025</a:t>
             </a:fld>
             <a:endParaRPr lang="en-US">
               <a:solidFill>
@@ -3268,7 +3269,7 @@
                 </a:solidFill>
               </a:rPr>
               <a:pPr/>
-              <a:t>3/27/2025</a:t>
+              <a:t>4/2/2025</a:t>
             </a:fld>
             <a:endParaRPr lang="en-US">
               <a:solidFill>
@@ -5179,17 +5180,8 @@
               <a:rPr lang="en-CA" sz="9600" b="0" i="0" u="none" strike="noStrike" baseline="0" dirty="0">
                 <a:latin typeface="Caveat Brush" pitchFamily="2" charset="0"/>
               </a:rPr>
-              <a:t>Dr </a:t>
-            </a:r>
-            <a:r>
-              <a:rPr lang="en-CA" sz="9600" b="0" i="0" u="none" strike="noStrike" baseline="0" dirty="0" err="1">
-                <a:latin typeface="Caveat Brush" pitchFamily="2" charset="0"/>
-              </a:rPr>
-              <a:t>Vizzie</a:t>
-            </a:r>
-            <a:endParaRPr lang="en-CA" sz="9600" b="0" i="0" u="none" strike="noStrike" baseline="0" dirty="0">
-              <a:latin typeface="Caveat Brush" pitchFamily="2" charset="0"/>
-            </a:endParaRPr>
+              <a:t>Dr Vizzie</a:t>
+            </a:r>
           </a:p>
         </p:txBody>
       </p:sp>
@@ -5395,6 +5387,290 @@
     <p:extLst>
       <p:ext uri="{BB962C8B-B14F-4D97-AF65-F5344CB8AC3E}">
         <p14:creationId xmlns:p14="http://schemas.microsoft.com/office/powerpoint/2010/main" val="3833292049"/>
+      </p:ext>
+    </p:extLst>
+  </p:cSld>
+  <p:clrMapOvr>
+    <a:masterClrMapping/>
+  </p:clrMapOvr>
+</p:sld>
+</file>
+
+<file path=ppt/slides/slide5.xml><?xml version="1.0" encoding="utf-8"?>
+<p:sld xmlns:a="http://schemas.openxmlformats.org/drawingml/2006/main" xmlns:r="http://schemas.openxmlformats.org/officeDocument/2006/relationships" xmlns:p="http://schemas.openxmlformats.org/presentationml/2006/main">
+  <p:cSld>
+    <p:spTree>
+      <p:nvGrpSpPr>
+        <p:cNvPr id="1" name=""/>
+        <p:cNvGrpSpPr/>
+        <p:nvPr/>
+      </p:nvGrpSpPr>
+      <p:grpSpPr>
+        <a:xfrm>
+          <a:off x="0" y="0"/>
+          <a:ext cx="0" cy="0"/>
+          <a:chOff x="0" y="0"/>
+          <a:chExt cx="0" cy="0"/>
+        </a:xfrm>
+      </p:grpSpPr>
+      <p:sp>
+        <p:nvSpPr>
+          <p:cNvPr id="2" name="Title 1">
+            <a:extLst>
+              <a:ext uri="{FF2B5EF4-FFF2-40B4-BE49-F238E27FC236}">
+                <a16:creationId xmlns:a16="http://schemas.microsoft.com/office/drawing/2014/main" id="{2E270743-8F8A-6A51-10B2-B878C554D9F1}"/>
+              </a:ext>
+            </a:extLst>
+          </p:cNvPr>
+          <p:cNvSpPr>
+            <a:spLocks noGrp="1"/>
+          </p:cNvSpPr>
+          <p:nvPr>
+            <p:ph type="title"/>
+          </p:nvPr>
+        </p:nvSpPr>
+        <p:spPr/>
+        <p:txBody>
+          <a:bodyPr/>
+          <a:lstStyle/>
+          <a:p>
+            <a:r>
+              <a:rPr lang="en-CA" dirty="0" err="1"/>
+              <a:t>Vizzies</a:t>
+            </a:r>
+            <a:r>
+              <a:rPr lang="en-CA" dirty="0"/>
+              <a:t>, Session 2</a:t>
+            </a:r>
+          </a:p>
+        </p:txBody>
+      </p:sp>
+      <p:sp>
+        <p:nvSpPr>
+          <p:cNvPr id="3" name="Content Placeholder 2">
+            <a:extLst>
+              <a:ext uri="{FF2B5EF4-FFF2-40B4-BE49-F238E27FC236}">
+                <a16:creationId xmlns:a16="http://schemas.microsoft.com/office/drawing/2014/main" id="{CF12E005-7782-6493-7A85-5011AD38D9CB}"/>
+              </a:ext>
+            </a:extLst>
+          </p:cNvPr>
+          <p:cNvSpPr>
+            <a:spLocks noGrp="1"/>
+          </p:cNvSpPr>
+          <p:nvPr>
+            <p:ph idx="1"/>
+          </p:nvPr>
+        </p:nvSpPr>
+        <p:spPr/>
+        <p:txBody>
+          <a:bodyPr>
+            <a:normAutofit/>
+          </a:bodyPr>
+          <a:lstStyle/>
+          <a:p>
+            <a:r>
+              <a:rPr lang="en-CA" sz="2400" dirty="0"/>
+              <a:t>Jessica Newman &amp; Ashley Siegel: </a:t>
+            </a:r>
+            <a:r>
+              <a:rPr lang="en-CA" sz="2400" i="1" dirty="0"/>
+              <a:t>Data Visualization for Therapeutic Process and Outcomes</a:t>
+            </a:r>
+          </a:p>
+          <a:p>
+            <a:r>
+              <a:rPr lang="en-CA" sz="2400" dirty="0"/>
+              <a:t>Victoria Cello: </a:t>
+            </a:r>
+            <a:r>
+              <a:rPr lang="en-CA" sz="2400" i="1" dirty="0"/>
+              <a:t>Shiny Applications for Teaching Statistics</a:t>
+            </a:r>
+          </a:p>
+          <a:p>
+            <a:r>
+              <a:rPr lang="en-CA" sz="2400" dirty="0"/>
+              <a:t>Hannah Tran: </a:t>
+            </a:r>
+            <a:r>
+              <a:rPr lang="en-CA" sz="2400" i="1" dirty="0"/>
+              <a:t>The Quantified Self &amp; Media Consumption Data Tracking</a:t>
+            </a:r>
+          </a:p>
+          <a:p>
+            <a:pPr marL="0" indent="0">
+              <a:buNone/>
+            </a:pPr>
+            <a:r>
+              <a:rPr lang="it-IT" sz="2400" dirty="0"/>
+              <a:t>                                                                        </a:t>
+            </a:r>
+            <a:r>
+              <a:rPr lang="it-IT" sz="2400" b="1" i="1" dirty="0"/>
+              <a:t>BREAK</a:t>
+            </a:r>
+            <a:endParaRPr lang="en-CA" sz="2400" b="1" i="1" dirty="0"/>
+          </a:p>
+          <a:p>
+            <a:r>
+              <a:rPr lang="it-IT" sz="2400" dirty="0"/>
+              <a:t>Sophie Li: </a:t>
+            </a:r>
+            <a:r>
+              <a:rPr lang="it-IT" sz="2400" i="1" dirty="0"/>
+              <a:t>Data Visualization in Basketball</a:t>
+            </a:r>
+            <a:endParaRPr lang="it-IT" sz="2400" dirty="0"/>
+          </a:p>
+          <a:p>
+            <a:r>
+              <a:rPr lang="en-CA" sz="2400" dirty="0"/>
+              <a:t>William Fisher: </a:t>
+            </a:r>
+            <a:r>
+              <a:rPr lang="en-CA" sz="2400" i="1" dirty="0"/>
+              <a:t>Visualizing Narratives &amp; Cognitive Trajectories in Semantic Space</a:t>
+            </a:r>
+          </a:p>
+          <a:p>
+            <a:r>
+              <a:rPr lang="en-CA" sz="2400" dirty="0"/>
+              <a:t>Sami Harb: </a:t>
+            </a:r>
+            <a:r>
+              <a:rPr lang="en-CA" sz="2400" i="1" dirty="0"/>
+              <a:t>Visualization for Qualitative Data</a:t>
+            </a:r>
+          </a:p>
+          <a:p>
+            <a:r>
+              <a:rPr lang="en-CA" sz="2400" dirty="0"/>
+              <a:t>Nisha Vashi: </a:t>
+            </a:r>
+            <a:r>
+              <a:rPr lang="en-CA" sz="2400" i="1" dirty="0"/>
+              <a:t>Data Visualization in Education &amp; Teaching</a:t>
+            </a:r>
+          </a:p>
+          <a:p>
+            <a:pPr marL="0" indent="0">
+              <a:buNone/>
+            </a:pPr>
+            <a:r>
+              <a:rPr lang="en-CA" sz="2400" i="1" dirty="0"/>
+              <a:t>                                                                         </a:t>
+            </a:r>
+            <a:r>
+              <a:rPr lang="en-CA" sz="2400" b="1" i="1" dirty="0"/>
+              <a:t>WRAP UP</a:t>
+            </a:r>
+          </a:p>
+          <a:p>
+            <a:pPr marL="342900" lvl="0" indent="-342900">
+              <a:buFont typeface="Symbol" panose="05050102010706020507" pitchFamily="18" charset="2"/>
+              <a:buChar char=""/>
+            </a:pPr>
+            <a:r>
+              <a:rPr lang="en-CA" sz="2400" dirty="0">
+                <a:effectLst/>
+                <a:latin typeface="Aptos" panose="020B0004020202020204" pitchFamily="34" charset="0"/>
+                <a:ea typeface="Aptos" panose="020B0004020202020204" pitchFamily="34" charset="0"/>
+                <a:cs typeface="Times New Roman" panose="02020603050405020304" pitchFamily="18" charset="0"/>
+              </a:rPr>
+              <a:t>Dr. </a:t>
+            </a:r>
+            <a:r>
+              <a:rPr lang="en-CA" sz="2400" dirty="0" err="1">
+                <a:effectLst/>
+                <a:latin typeface="Aptos" panose="020B0004020202020204" pitchFamily="34" charset="0"/>
+                <a:ea typeface="Aptos" panose="020B0004020202020204" pitchFamily="34" charset="0"/>
+                <a:cs typeface="Times New Roman" panose="02020603050405020304" pitchFamily="18" charset="0"/>
+              </a:rPr>
+              <a:t>Vizzie</a:t>
+            </a:r>
+            <a:r>
+              <a:rPr lang="en-CA" sz="2400" dirty="0">
+                <a:effectLst/>
+                <a:latin typeface="Aptos" panose="020B0004020202020204" pitchFamily="34" charset="0"/>
+                <a:ea typeface="Aptos" panose="020B0004020202020204" pitchFamily="34" charset="0"/>
+                <a:cs typeface="Times New Roman" panose="02020603050405020304" pitchFamily="18" charset="0"/>
+              </a:rPr>
+              <a:t>: </a:t>
+            </a:r>
+            <a:r>
+              <a:rPr lang="en-CA" sz="2400" i="1" dirty="0">
+                <a:effectLst/>
+                <a:latin typeface="Aptos" panose="020B0004020202020204" pitchFamily="34" charset="0"/>
+                <a:ea typeface="Aptos" panose="020B0004020202020204" pitchFamily="34" charset="0"/>
+                <a:cs typeface="Times New Roman" panose="02020603050405020304" pitchFamily="18" charset="0"/>
+              </a:rPr>
+              <a:t>Your Turn: Feedback on #psy6135</a:t>
+            </a:r>
+            <a:endParaRPr lang="en-CA" sz="2400" dirty="0">
+              <a:effectLst/>
+              <a:latin typeface="Aptos" panose="020B0004020202020204" pitchFamily="34" charset="0"/>
+              <a:ea typeface="Aptos" panose="020B0004020202020204" pitchFamily="34" charset="0"/>
+              <a:cs typeface="Times New Roman" panose="02020603050405020304" pitchFamily="18" charset="0"/>
+            </a:endParaRPr>
+          </a:p>
+          <a:p>
+            <a:endParaRPr lang="en-CA" sz="2400" i="1" dirty="0"/>
+          </a:p>
+          <a:p>
+            <a:pPr marL="0" indent="0">
+              <a:buNone/>
+            </a:pPr>
+            <a:endParaRPr lang="en-CA" sz="2400" i="1" dirty="0"/>
+          </a:p>
+          <a:p>
+            <a:pPr marL="0" indent="0">
+              <a:buNone/>
+            </a:pPr>
+            <a:endParaRPr lang="en-CA" sz="2400" i="1" dirty="0"/>
+          </a:p>
+          <a:p>
+            <a:pPr marL="0" indent="0">
+              <a:buNone/>
+            </a:pPr>
+            <a:endParaRPr lang="en-CA" sz="2400" i="1" dirty="0"/>
+          </a:p>
+        </p:txBody>
+      </p:sp>
+      <p:sp>
+        <p:nvSpPr>
+          <p:cNvPr id="4" name="Slide Number Placeholder 3">
+            <a:extLst>
+              <a:ext uri="{FF2B5EF4-FFF2-40B4-BE49-F238E27FC236}">
+                <a16:creationId xmlns:a16="http://schemas.microsoft.com/office/drawing/2014/main" id="{33CFFD9B-AA8E-0A78-CF73-C37E3ACF21BD}"/>
+              </a:ext>
+            </a:extLst>
+          </p:cNvPr>
+          <p:cNvSpPr>
+            <a:spLocks noGrp="1"/>
+          </p:cNvSpPr>
+          <p:nvPr>
+            <p:ph type="sldNum" sz="quarter" idx="12"/>
+          </p:nvPr>
+        </p:nvSpPr>
+        <p:spPr/>
+        <p:txBody>
+          <a:bodyPr/>
+          <a:lstStyle/>
+          <a:p>
+            <a:endParaRPr lang="en-US" dirty="0">
+              <a:solidFill>
+                <a:prstClr val="black">
+                  <a:tint val="75000"/>
+                </a:prstClr>
+              </a:solidFill>
+            </a:endParaRPr>
+          </a:p>
+        </p:txBody>
+      </p:sp>
+    </p:spTree>
+    <p:extLst>
+      <p:ext uri="{BB962C8B-B14F-4D97-AF65-F5344CB8AC3E}">
+        <p14:creationId xmlns:p14="http://schemas.microsoft.com/office/powerpoint/2010/main" val="939057985"/>
       </p:ext>
     </p:extLst>
   </p:cSld>
